--- a/Docs/1. Презитанция.pptx
+++ b/Docs/1. Презитанция.pptx
@@ -4,6 +4,9 @@
   <p:sldMasterIdLst>
     <p:sldMasterId id="2147483648" r:id="rId1"/>
   </p:sldMasterIdLst>
+  <p:notesMasterIdLst>
+    <p:notesMasterId r:id="rId14"/>
+  </p:notesMasterIdLst>
   <p:sldIdLst>
     <p:sldId id="256" r:id="rId2"/>
     <p:sldId id="257" r:id="rId3"/>
@@ -115,7 +118,446 @@
       </a:defRPr>
     </a:lvl9pPr>
   </p:defaultTextStyle>
+  <p:extLst>
+    <p:ext uri="{EFAFB233-063F-42B5-8137-9DF3F51BA10A}">
+      <p15:sldGuideLst xmlns:p15="http://schemas.microsoft.com/office/powerpoint/2012/main"/>
+    </p:ext>
+  </p:extLst>
 </p:presentation>
+</file>
+
+<file path=ppt/notesMasters/notesMaster1.xml><?xml version="1.0" encoding="utf-8"?>
+<p:notesMaster xmlns:a="http://schemas.openxmlformats.org/drawingml/2006/main" xmlns:r="http://schemas.openxmlformats.org/officeDocument/2006/relationships" xmlns:p="http://schemas.openxmlformats.org/presentationml/2006/main">
+  <p:cSld>
+    <p:bg>
+      <p:bgRef idx="1001">
+        <a:schemeClr val="bg1"/>
+      </p:bgRef>
+    </p:bg>
+    <p:spTree>
+      <p:nvGrpSpPr>
+        <p:cNvPr id="1" name=""/>
+        <p:cNvGrpSpPr/>
+        <p:nvPr/>
+      </p:nvGrpSpPr>
+      <p:grpSpPr>
+        <a:xfrm>
+          <a:off x="0" y="0"/>
+          <a:ext cx="0" cy="0"/>
+          <a:chOff x="0" y="0"/>
+          <a:chExt cx="0" cy="0"/>
+        </a:xfrm>
+      </p:grpSpPr>
+      <p:sp>
+        <p:nvSpPr>
+          <p:cNvPr id="2" name="Верхний колонтитул 1"/>
+          <p:cNvSpPr>
+            <a:spLocks noGrp="1"/>
+          </p:cNvSpPr>
+          <p:nvPr>
+            <p:ph type="hdr" sz="quarter"/>
+          </p:nvPr>
+        </p:nvSpPr>
+        <p:spPr>
+          <a:xfrm>
+            <a:off x="0" y="0"/>
+            <a:ext cx="2971800" cy="458788"/>
+          </a:xfrm>
+          <a:prstGeom prst="rect">
+            <a:avLst/>
+          </a:prstGeom>
+        </p:spPr>
+        <p:txBody>
+          <a:bodyPr vert="horz" lIns="91440" tIns="45720" rIns="91440" bIns="45720" rtlCol="0"/>
+          <a:lstStyle>
+            <a:lvl1pPr algn="l">
+              <a:defRPr sz="1200"/>
+            </a:lvl1pPr>
+          </a:lstStyle>
+          <a:p>
+            <a:endParaRPr lang="ru-RU"/>
+          </a:p>
+        </p:txBody>
+      </p:sp>
+      <p:sp>
+        <p:nvSpPr>
+          <p:cNvPr id="3" name="Дата 2"/>
+          <p:cNvSpPr>
+            <a:spLocks noGrp="1"/>
+          </p:cNvSpPr>
+          <p:nvPr>
+            <p:ph type="dt" idx="1"/>
+          </p:nvPr>
+        </p:nvSpPr>
+        <p:spPr>
+          <a:xfrm>
+            <a:off x="3884613" y="0"/>
+            <a:ext cx="2971800" cy="458788"/>
+          </a:xfrm>
+          <a:prstGeom prst="rect">
+            <a:avLst/>
+          </a:prstGeom>
+        </p:spPr>
+        <p:txBody>
+          <a:bodyPr vert="horz" lIns="91440" tIns="45720" rIns="91440" bIns="45720" rtlCol="0"/>
+          <a:lstStyle>
+            <a:lvl1pPr algn="r">
+              <a:defRPr sz="1200"/>
+            </a:lvl1pPr>
+          </a:lstStyle>
+          <a:p>
+            <a:fld id="{391F9CD7-258B-43F3-8DCB-E53AD8E3F03E}" type="datetimeFigureOut">
+              <a:rPr lang="ru-RU" smtClean="0"/>
+              <a:t>10.09.2025</a:t>
+            </a:fld>
+            <a:endParaRPr lang="ru-RU"/>
+          </a:p>
+        </p:txBody>
+      </p:sp>
+      <p:sp>
+        <p:nvSpPr>
+          <p:cNvPr id="4" name="Образ слайда 3"/>
+          <p:cNvSpPr>
+            <a:spLocks noGrp="1" noRot="1" noChangeAspect="1"/>
+          </p:cNvSpPr>
+          <p:nvPr>
+            <p:ph type="sldImg" idx="2"/>
+          </p:nvPr>
+        </p:nvSpPr>
+        <p:spPr>
+          <a:xfrm>
+            <a:off x="685800" y="1143000"/>
+            <a:ext cx="5486400" cy="3086100"/>
+          </a:xfrm>
+          <a:prstGeom prst="rect">
+            <a:avLst/>
+          </a:prstGeom>
+          <a:noFill/>
+          <a:ln w="12700">
+            <a:solidFill>
+              <a:prstClr val="black"/>
+            </a:solidFill>
+          </a:ln>
+        </p:spPr>
+        <p:txBody>
+          <a:bodyPr vert="horz" lIns="91440" tIns="45720" rIns="91440" bIns="45720" rtlCol="0" anchor="ctr"/>
+          <a:lstStyle/>
+          <a:p>
+            <a:endParaRPr lang="ru-RU"/>
+          </a:p>
+        </p:txBody>
+      </p:sp>
+      <p:sp>
+        <p:nvSpPr>
+          <p:cNvPr id="5" name="Заметки 4"/>
+          <p:cNvSpPr>
+            <a:spLocks noGrp="1"/>
+          </p:cNvSpPr>
+          <p:nvPr>
+            <p:ph type="body" sz="quarter" idx="3"/>
+          </p:nvPr>
+        </p:nvSpPr>
+        <p:spPr>
+          <a:xfrm>
+            <a:off x="685800" y="4400550"/>
+            <a:ext cx="5486400" cy="3600450"/>
+          </a:xfrm>
+          <a:prstGeom prst="rect">
+            <a:avLst/>
+          </a:prstGeom>
+        </p:spPr>
+        <p:txBody>
+          <a:bodyPr vert="horz" lIns="91440" tIns="45720" rIns="91440" bIns="45720" rtlCol="0"/>
+          <a:lstStyle/>
+          <a:p>
+            <a:pPr lvl="0"/>
+            <a:r>
+              <a:rPr lang="ru-RU" smtClean="0"/>
+              <a:t>Образец текста</a:t>
+            </a:r>
+          </a:p>
+          <a:p>
+            <a:pPr lvl="1"/>
+            <a:r>
+              <a:rPr lang="ru-RU" smtClean="0"/>
+              <a:t>Второй уровень</a:t>
+            </a:r>
+          </a:p>
+          <a:p>
+            <a:pPr lvl="2"/>
+            <a:r>
+              <a:rPr lang="ru-RU" smtClean="0"/>
+              <a:t>Третий уровень</a:t>
+            </a:r>
+          </a:p>
+          <a:p>
+            <a:pPr lvl="3"/>
+            <a:r>
+              <a:rPr lang="ru-RU" smtClean="0"/>
+              <a:t>Четвертый уровень</a:t>
+            </a:r>
+          </a:p>
+          <a:p>
+            <a:pPr lvl="4"/>
+            <a:r>
+              <a:rPr lang="ru-RU" smtClean="0"/>
+              <a:t>Пятый уровень</a:t>
+            </a:r>
+            <a:endParaRPr lang="ru-RU"/>
+          </a:p>
+        </p:txBody>
+      </p:sp>
+      <p:sp>
+        <p:nvSpPr>
+          <p:cNvPr id="6" name="Нижний колонтитул 5"/>
+          <p:cNvSpPr>
+            <a:spLocks noGrp="1"/>
+          </p:cNvSpPr>
+          <p:nvPr>
+            <p:ph type="ftr" sz="quarter" idx="4"/>
+          </p:nvPr>
+        </p:nvSpPr>
+        <p:spPr>
+          <a:xfrm>
+            <a:off x="0" y="8685213"/>
+            <a:ext cx="2971800" cy="458787"/>
+          </a:xfrm>
+          <a:prstGeom prst="rect">
+            <a:avLst/>
+          </a:prstGeom>
+        </p:spPr>
+        <p:txBody>
+          <a:bodyPr vert="horz" lIns="91440" tIns="45720" rIns="91440" bIns="45720" rtlCol="0" anchor="b"/>
+          <a:lstStyle>
+            <a:lvl1pPr algn="l">
+              <a:defRPr sz="1200"/>
+            </a:lvl1pPr>
+          </a:lstStyle>
+          <a:p>
+            <a:endParaRPr lang="ru-RU"/>
+          </a:p>
+        </p:txBody>
+      </p:sp>
+      <p:sp>
+        <p:nvSpPr>
+          <p:cNvPr id="7" name="Номер слайда 6"/>
+          <p:cNvSpPr>
+            <a:spLocks noGrp="1"/>
+          </p:cNvSpPr>
+          <p:nvPr>
+            <p:ph type="sldNum" sz="quarter" idx="5"/>
+          </p:nvPr>
+        </p:nvSpPr>
+        <p:spPr>
+          <a:xfrm>
+            <a:off x="3884613" y="8685213"/>
+            <a:ext cx="2971800" cy="458787"/>
+          </a:xfrm>
+          <a:prstGeom prst="rect">
+            <a:avLst/>
+          </a:prstGeom>
+        </p:spPr>
+        <p:txBody>
+          <a:bodyPr vert="horz" lIns="91440" tIns="45720" rIns="91440" bIns="45720" rtlCol="0" anchor="b"/>
+          <a:lstStyle>
+            <a:lvl1pPr algn="r">
+              <a:defRPr sz="1200"/>
+            </a:lvl1pPr>
+          </a:lstStyle>
+          <a:p>
+            <a:fld id="{81FFF290-86E7-4E74-AE22-C01D8F894D89}" type="slidenum">
+              <a:rPr lang="ru-RU" smtClean="0"/>
+              <a:t>‹#›</a:t>
+            </a:fld>
+            <a:endParaRPr lang="ru-RU"/>
+          </a:p>
+        </p:txBody>
+      </p:sp>
+    </p:spTree>
+    <p:extLst>
+      <p:ext uri="{BB962C8B-B14F-4D97-AF65-F5344CB8AC3E}">
+        <p14:creationId xmlns:p14="http://schemas.microsoft.com/office/powerpoint/2010/main" val="1666857753"/>
+      </p:ext>
+    </p:extLst>
+  </p:cSld>
+  <p:clrMap bg1="lt1" tx1="dk1" bg2="lt2" tx2="dk2" accent1="accent1" accent2="accent2" accent3="accent3" accent4="accent4" accent5="accent5" accent6="accent6" hlink="hlink" folHlink="folHlink"/>
+  <p:notesStyle>
+    <a:lvl1pPr marL="0" algn="l" defTabSz="914400" rtl="0" eaLnBrk="1" latinLnBrk="0" hangingPunct="1">
+      <a:defRPr sz="1200" kern="1200">
+        <a:solidFill>
+          <a:schemeClr val="tx1"/>
+        </a:solidFill>
+        <a:latin typeface="+mn-lt"/>
+        <a:ea typeface="+mn-ea"/>
+        <a:cs typeface="+mn-cs"/>
+      </a:defRPr>
+    </a:lvl1pPr>
+    <a:lvl2pPr marL="457200" algn="l" defTabSz="914400" rtl="0" eaLnBrk="1" latinLnBrk="0" hangingPunct="1">
+      <a:defRPr sz="1200" kern="1200">
+        <a:solidFill>
+          <a:schemeClr val="tx1"/>
+        </a:solidFill>
+        <a:latin typeface="+mn-lt"/>
+        <a:ea typeface="+mn-ea"/>
+        <a:cs typeface="+mn-cs"/>
+      </a:defRPr>
+    </a:lvl2pPr>
+    <a:lvl3pPr marL="914400" algn="l" defTabSz="914400" rtl="0" eaLnBrk="1" latinLnBrk="0" hangingPunct="1">
+      <a:defRPr sz="1200" kern="1200">
+        <a:solidFill>
+          <a:schemeClr val="tx1"/>
+        </a:solidFill>
+        <a:latin typeface="+mn-lt"/>
+        <a:ea typeface="+mn-ea"/>
+        <a:cs typeface="+mn-cs"/>
+      </a:defRPr>
+    </a:lvl3pPr>
+    <a:lvl4pPr marL="1371600" algn="l" defTabSz="914400" rtl="0" eaLnBrk="1" latinLnBrk="0" hangingPunct="1">
+      <a:defRPr sz="1200" kern="1200">
+        <a:solidFill>
+          <a:schemeClr val="tx1"/>
+        </a:solidFill>
+        <a:latin typeface="+mn-lt"/>
+        <a:ea typeface="+mn-ea"/>
+        <a:cs typeface="+mn-cs"/>
+      </a:defRPr>
+    </a:lvl4pPr>
+    <a:lvl5pPr marL="1828800" algn="l" defTabSz="914400" rtl="0" eaLnBrk="1" latinLnBrk="0" hangingPunct="1">
+      <a:defRPr sz="1200" kern="1200">
+        <a:solidFill>
+          <a:schemeClr val="tx1"/>
+        </a:solidFill>
+        <a:latin typeface="+mn-lt"/>
+        <a:ea typeface="+mn-ea"/>
+        <a:cs typeface="+mn-cs"/>
+      </a:defRPr>
+    </a:lvl5pPr>
+    <a:lvl6pPr marL="2286000" algn="l" defTabSz="914400" rtl="0" eaLnBrk="1" latinLnBrk="0" hangingPunct="1">
+      <a:defRPr sz="1200" kern="1200">
+        <a:solidFill>
+          <a:schemeClr val="tx1"/>
+        </a:solidFill>
+        <a:latin typeface="+mn-lt"/>
+        <a:ea typeface="+mn-ea"/>
+        <a:cs typeface="+mn-cs"/>
+      </a:defRPr>
+    </a:lvl6pPr>
+    <a:lvl7pPr marL="2743200" algn="l" defTabSz="914400" rtl="0" eaLnBrk="1" latinLnBrk="0" hangingPunct="1">
+      <a:defRPr sz="1200" kern="1200">
+        <a:solidFill>
+          <a:schemeClr val="tx1"/>
+        </a:solidFill>
+        <a:latin typeface="+mn-lt"/>
+        <a:ea typeface="+mn-ea"/>
+        <a:cs typeface="+mn-cs"/>
+      </a:defRPr>
+    </a:lvl7pPr>
+    <a:lvl8pPr marL="3200400" algn="l" defTabSz="914400" rtl="0" eaLnBrk="1" latinLnBrk="0" hangingPunct="1">
+      <a:defRPr sz="1200" kern="1200">
+        <a:solidFill>
+          <a:schemeClr val="tx1"/>
+        </a:solidFill>
+        <a:latin typeface="+mn-lt"/>
+        <a:ea typeface="+mn-ea"/>
+        <a:cs typeface="+mn-cs"/>
+      </a:defRPr>
+    </a:lvl8pPr>
+    <a:lvl9pPr marL="3657600" algn="l" defTabSz="914400" rtl="0" eaLnBrk="1" latinLnBrk="0" hangingPunct="1">
+      <a:defRPr sz="1200" kern="1200">
+        <a:solidFill>
+          <a:schemeClr val="tx1"/>
+        </a:solidFill>
+        <a:latin typeface="+mn-lt"/>
+        <a:ea typeface="+mn-ea"/>
+        <a:cs typeface="+mn-cs"/>
+      </a:defRPr>
+    </a:lvl9pPr>
+  </p:notesStyle>
+</p:notesMaster>
+</file>
+
+<file path=ppt/notesSlides/notesSlide1.xml><?xml version="1.0" encoding="utf-8"?>
+<p:notes xmlns:a="http://schemas.openxmlformats.org/drawingml/2006/main" xmlns:r="http://schemas.openxmlformats.org/officeDocument/2006/relationships" xmlns:p="http://schemas.openxmlformats.org/presentationml/2006/main">
+  <p:cSld>
+    <p:spTree>
+      <p:nvGrpSpPr>
+        <p:cNvPr id="1" name=""/>
+        <p:cNvGrpSpPr/>
+        <p:nvPr/>
+      </p:nvGrpSpPr>
+      <p:grpSpPr>
+        <a:xfrm>
+          <a:off x="0" y="0"/>
+          <a:ext cx="0" cy="0"/>
+          <a:chOff x="0" y="0"/>
+          <a:chExt cx="0" cy="0"/>
+        </a:xfrm>
+      </p:grpSpPr>
+      <p:sp>
+        <p:nvSpPr>
+          <p:cNvPr id="2" name="Образ слайда 1"/>
+          <p:cNvSpPr>
+            <a:spLocks noGrp="1" noRot="1" noChangeAspect="1"/>
+          </p:cNvSpPr>
+          <p:nvPr>
+            <p:ph type="sldImg"/>
+          </p:nvPr>
+        </p:nvSpPr>
+        <p:spPr/>
+      </p:sp>
+      <p:sp>
+        <p:nvSpPr>
+          <p:cNvPr id="3" name="Заметки 2"/>
+          <p:cNvSpPr>
+            <a:spLocks noGrp="1"/>
+          </p:cNvSpPr>
+          <p:nvPr>
+            <p:ph type="body" idx="1"/>
+          </p:nvPr>
+        </p:nvSpPr>
+        <p:spPr/>
+        <p:txBody>
+          <a:bodyPr/>
+          <a:lstStyle/>
+          <a:p>
+            <a:endParaRPr lang="ru-RU" dirty="0"/>
+          </a:p>
+        </p:txBody>
+      </p:sp>
+      <p:sp>
+        <p:nvSpPr>
+          <p:cNvPr id="4" name="Номер слайда 3"/>
+          <p:cNvSpPr>
+            <a:spLocks noGrp="1"/>
+          </p:cNvSpPr>
+          <p:nvPr>
+            <p:ph type="sldNum" sz="quarter" idx="10"/>
+          </p:nvPr>
+        </p:nvSpPr>
+        <p:spPr/>
+        <p:txBody>
+          <a:bodyPr/>
+          <a:lstStyle/>
+          <a:p>
+            <a:fld id="{81FFF290-86E7-4E74-AE22-C01D8F894D89}" type="slidenum">
+              <a:rPr lang="ru-RU" smtClean="0"/>
+              <a:t>4</a:t>
+            </a:fld>
+            <a:endParaRPr lang="ru-RU"/>
+          </a:p>
+        </p:txBody>
+      </p:sp>
+    </p:spTree>
+    <p:extLst>
+      <p:ext uri="{BB962C8B-B14F-4D97-AF65-F5344CB8AC3E}">
+        <p14:creationId xmlns:p14="http://schemas.microsoft.com/office/powerpoint/2010/main" val="1329239470"/>
+      </p:ext>
+    </p:extLst>
+  </p:cSld>
+  <p:clrMapOvr>
+    <a:masterClrMapping/>
+  </p:clrMapOvr>
+</p:notes>
 </file>
 
 <file path=ppt/slideLayouts/slideLayout1.xml><?xml version="1.0" encoding="utf-8"?>
@@ -249,7 +691,7 @@
           <a:p>
             <a:fld id="{4E060856-CD80-4DCB-BA9A-9B073F18F4EC}" type="datetimeFigureOut">
               <a:rPr lang="ru-RU" smtClean="0"/>
-              <a:t>09.09.2025</a:t>
+              <a:t>10.09.2025</a:t>
             </a:fld>
             <a:endParaRPr lang="ru-RU"/>
           </a:p>
@@ -419,7 +861,7 @@
           <a:p>
             <a:fld id="{4E060856-CD80-4DCB-BA9A-9B073F18F4EC}" type="datetimeFigureOut">
               <a:rPr lang="ru-RU" smtClean="0"/>
-              <a:t>09.09.2025</a:t>
+              <a:t>10.09.2025</a:t>
             </a:fld>
             <a:endParaRPr lang="ru-RU"/>
           </a:p>
@@ -599,7 +1041,7 @@
           <a:p>
             <a:fld id="{4E060856-CD80-4DCB-BA9A-9B073F18F4EC}" type="datetimeFigureOut">
               <a:rPr lang="ru-RU" smtClean="0"/>
-              <a:t>09.09.2025</a:t>
+              <a:t>10.09.2025</a:t>
             </a:fld>
             <a:endParaRPr lang="ru-RU"/>
           </a:p>
@@ -769,7 +1211,7 @@
           <a:p>
             <a:fld id="{4E060856-CD80-4DCB-BA9A-9B073F18F4EC}" type="datetimeFigureOut">
               <a:rPr lang="ru-RU" smtClean="0"/>
-              <a:t>09.09.2025</a:t>
+              <a:t>10.09.2025</a:t>
             </a:fld>
             <a:endParaRPr lang="ru-RU"/>
           </a:p>
@@ -1015,7 +1457,7 @@
           <a:p>
             <a:fld id="{4E060856-CD80-4DCB-BA9A-9B073F18F4EC}" type="datetimeFigureOut">
               <a:rPr lang="ru-RU" smtClean="0"/>
-              <a:t>09.09.2025</a:t>
+              <a:t>10.09.2025</a:t>
             </a:fld>
             <a:endParaRPr lang="ru-RU"/>
           </a:p>
@@ -1247,7 +1689,7 @@
           <a:p>
             <a:fld id="{4E060856-CD80-4DCB-BA9A-9B073F18F4EC}" type="datetimeFigureOut">
               <a:rPr lang="ru-RU" smtClean="0"/>
-              <a:t>09.09.2025</a:t>
+              <a:t>10.09.2025</a:t>
             </a:fld>
             <a:endParaRPr lang="ru-RU"/>
           </a:p>
@@ -1614,7 +2056,7 @@
           <a:p>
             <a:fld id="{4E060856-CD80-4DCB-BA9A-9B073F18F4EC}" type="datetimeFigureOut">
               <a:rPr lang="ru-RU" smtClean="0"/>
-              <a:t>09.09.2025</a:t>
+              <a:t>10.09.2025</a:t>
             </a:fld>
             <a:endParaRPr lang="ru-RU"/>
           </a:p>
@@ -1732,7 +2174,7 @@
           <a:p>
             <a:fld id="{4E060856-CD80-4DCB-BA9A-9B073F18F4EC}" type="datetimeFigureOut">
               <a:rPr lang="ru-RU" smtClean="0"/>
-              <a:t>09.09.2025</a:t>
+              <a:t>10.09.2025</a:t>
             </a:fld>
             <a:endParaRPr lang="ru-RU"/>
           </a:p>
@@ -1827,7 +2269,7 @@
           <a:p>
             <a:fld id="{4E060856-CD80-4DCB-BA9A-9B073F18F4EC}" type="datetimeFigureOut">
               <a:rPr lang="ru-RU" smtClean="0"/>
-              <a:t>09.09.2025</a:t>
+              <a:t>10.09.2025</a:t>
             </a:fld>
             <a:endParaRPr lang="ru-RU"/>
           </a:p>
@@ -2104,7 +2546,7 @@
           <a:p>
             <a:fld id="{4E060856-CD80-4DCB-BA9A-9B073F18F4EC}" type="datetimeFigureOut">
               <a:rPr lang="ru-RU" smtClean="0"/>
-              <a:t>09.09.2025</a:t>
+              <a:t>10.09.2025</a:t>
             </a:fld>
             <a:endParaRPr lang="ru-RU"/>
           </a:p>
@@ -2357,7 +2799,7 @@
           <a:p>
             <a:fld id="{4E060856-CD80-4DCB-BA9A-9B073F18F4EC}" type="datetimeFigureOut">
               <a:rPr lang="ru-RU" smtClean="0"/>
-              <a:t>09.09.2025</a:t>
+              <a:t>10.09.2025</a:t>
             </a:fld>
             <a:endParaRPr lang="ru-RU"/>
           </a:p>
@@ -2570,7 +3012,7 @@
           <a:p>
             <a:fld id="{4E060856-CD80-4DCB-BA9A-9B073F18F4EC}" type="datetimeFigureOut">
               <a:rPr lang="ru-RU" smtClean="0"/>
-              <a:t>09.09.2025</a:t>
+              <a:t>10.09.2025</a:t>
             </a:fld>
             <a:endParaRPr lang="ru-RU"/>
           </a:p>
@@ -4020,7 +4462,7 @@
         <p:spPr>
           <a:xfrm>
             <a:off x="3844308" y="6004859"/>
-            <a:ext cx="4507452" cy="646331"/>
+            <a:ext cx="4582793" cy="646331"/>
           </a:xfrm>
           <a:prstGeom prst="rect">
             <a:avLst/>
@@ -4035,7 +4477,11 @@
           <a:p>
             <a:r>
               <a:rPr lang="ru-RU" dirty="0" smtClean="0"/>
-              <a:t>Наша сила – синергия противоположностей</a:t>
+              <a:t>Наша сила – синергия </a:t>
+            </a:r>
+            <a:r>
+              <a:rPr lang="ru-RU" dirty="0" smtClean="0"/>
+              <a:t>противоположностей!</a:t>
             </a:r>
             <a:endParaRPr lang="ru-RU" dirty="0"/>
           </a:p>
@@ -4052,7 +4498,7 @@
         </p:nvSpPr>
         <p:spPr>
           <a:xfrm>
-            <a:off x="-36257" y="3508493"/>
+            <a:off x="0" y="2825165"/>
             <a:ext cx="4485983" cy="954107"/>
           </a:xfrm>
           <a:prstGeom prst="rect">
@@ -4083,7 +4529,7 @@
         </p:nvSpPr>
         <p:spPr>
           <a:xfrm>
-            <a:off x="7889077" y="3508494"/>
+            <a:off x="7858648" y="4046084"/>
             <a:ext cx="4182188" cy="954107"/>
           </a:xfrm>
           <a:prstGeom prst="rect">
@@ -4100,7 +4546,11 @@
             <a:pPr algn="ctr"/>
             <a:r>
               <a:rPr lang="ru-RU" sz="2800" dirty="0" smtClean="0"/>
-              <a:t>Холодная позиция Стратега</a:t>
+              <a:t>Холодная позиция </a:t>
+            </a:r>
+            <a:r>
+              <a:rPr lang="ru-RU" sz="2800" dirty="0" smtClean="0"/>
+              <a:t>Стратега!</a:t>
             </a:r>
             <a:endParaRPr lang="ru-RU" sz="2800" dirty="0"/>
           </a:p>
@@ -4148,7 +4598,7 @@
         </p:nvSpPr>
         <p:spPr>
           <a:xfrm>
-            <a:off x="5942121" y="-262724"/>
+            <a:off x="5841600" y="-155210"/>
             <a:ext cx="6994580" cy="1368929"/>
           </a:xfrm>
         </p:spPr>
@@ -4160,7 +4610,7 @@
           <a:p>
             <a:r>
               <a:rPr lang="ru-RU" dirty="0" smtClean="0"/>
-              <a:t>Артём (Стратег)</a:t>
+              <a:t>Артём</a:t>
             </a:r>
             <a:endParaRPr lang="ru-RU" dirty="0"/>
           </a:p>
@@ -4247,10 +4697,10 @@
         </p:nvGrpSpPr>
         <p:grpSpPr>
           <a:xfrm>
-            <a:off x="7055069" y="2187260"/>
-            <a:ext cx="4567642" cy="4205244"/>
-            <a:chOff x="6638999" y="2455361"/>
-            <a:chExt cx="4567642" cy="4205244"/>
+            <a:off x="7055069" y="2132602"/>
+            <a:ext cx="4641161" cy="3922895"/>
+            <a:chOff x="6638999" y="2483869"/>
+            <a:chExt cx="4641161" cy="3922895"/>
           </a:xfrm>
         </p:grpSpPr>
         <p:pic>
@@ -4275,7 +4725,7 @@
           </p:blipFill>
           <p:spPr>
             <a:xfrm>
-              <a:off x="6638999" y="2572449"/>
+              <a:off x="6638999" y="2522638"/>
               <a:ext cx="1661227" cy="1661227"/>
             </a:xfrm>
             <a:prstGeom prst="rect">
@@ -4305,7 +4755,7 @@
           </p:blipFill>
           <p:spPr>
             <a:xfrm>
-              <a:off x="9213287" y="2455361"/>
+              <a:off x="9247254" y="2483869"/>
               <a:ext cx="1905098" cy="1905098"/>
             </a:xfrm>
             <a:prstGeom prst="rect">
@@ -4335,7 +4785,7 @@
           </p:blipFill>
           <p:spPr>
             <a:xfrm>
-              <a:off x="6638999" y="5006790"/>
+              <a:off x="6692030" y="4752949"/>
               <a:ext cx="1527718" cy="1527718"/>
             </a:xfrm>
             <a:prstGeom prst="rect">
@@ -4365,7 +4815,7 @@
           </p:blipFill>
           <p:spPr>
             <a:xfrm>
-              <a:off x="9552826" y="5006790"/>
+              <a:off x="9626345" y="4752949"/>
               <a:ext cx="1653815" cy="1653815"/>
             </a:xfrm>
             <a:prstGeom prst="rect">
@@ -4374,6 +4824,126 @@
           </p:spPr>
         </p:pic>
       </p:grpSp>
+      <p:sp>
+        <p:nvSpPr>
+          <p:cNvPr id="3" name="TextBox 2"/>
+          <p:cNvSpPr txBox="1"/>
+          <p:nvPr/>
+        </p:nvSpPr>
+        <p:spPr>
+          <a:xfrm>
+            <a:off x="7305682" y="6138663"/>
+            <a:ext cx="891591" cy="369332"/>
+          </a:xfrm>
+          <a:prstGeom prst="rect">
+            <a:avLst/>
+          </a:prstGeom>
+          <a:noFill/>
+        </p:spPr>
+        <p:txBody>
+          <a:bodyPr wrap="none" rtlCol="0">
+            <a:spAutoFit/>
+          </a:bodyPr>
+          <a:lstStyle/>
+          <a:p>
+            <a:r>
+              <a:rPr lang="ru-RU" dirty="0" smtClean="0"/>
+              <a:t>Анализ</a:t>
+            </a:r>
+            <a:endParaRPr lang="ru-RU" dirty="0"/>
+          </a:p>
+        </p:txBody>
+      </p:sp>
+      <p:sp>
+        <p:nvSpPr>
+          <p:cNvPr id="11" name="TextBox 10"/>
+          <p:cNvSpPr txBox="1"/>
+          <p:nvPr/>
+        </p:nvSpPr>
+        <p:spPr>
+          <a:xfrm>
+            <a:off x="9798984" y="6160966"/>
+            <a:ext cx="1633781" cy="369332"/>
+          </a:xfrm>
+          <a:prstGeom prst="rect">
+            <a:avLst/>
+          </a:prstGeom>
+          <a:noFill/>
+        </p:spPr>
+        <p:txBody>
+          <a:bodyPr wrap="none" rtlCol="0">
+            <a:spAutoFit/>
+          </a:bodyPr>
+          <a:lstStyle/>
+          <a:p>
+            <a:r>
+              <a:rPr lang="ru-RU" dirty="0" smtClean="0"/>
+              <a:t>Планирование</a:t>
+            </a:r>
+            <a:endParaRPr lang="ru-RU" dirty="0"/>
+          </a:p>
+        </p:txBody>
+      </p:sp>
+      <p:sp>
+        <p:nvSpPr>
+          <p:cNvPr id="12" name="TextBox 11"/>
+          <p:cNvSpPr txBox="1"/>
+          <p:nvPr/>
+        </p:nvSpPr>
+        <p:spPr>
+          <a:xfrm>
+            <a:off x="7055069" y="3989418"/>
+            <a:ext cx="1633781" cy="369332"/>
+          </a:xfrm>
+          <a:prstGeom prst="rect">
+            <a:avLst/>
+          </a:prstGeom>
+          <a:noFill/>
+        </p:spPr>
+        <p:txBody>
+          <a:bodyPr wrap="none" rtlCol="0">
+            <a:spAutoFit/>
+          </a:bodyPr>
+          <a:lstStyle/>
+          <a:p>
+            <a:r>
+              <a:rPr lang="ru-RU" dirty="0" smtClean="0"/>
+              <a:t>Планирование</a:t>
+            </a:r>
+            <a:endParaRPr lang="ru-RU" dirty="0"/>
+          </a:p>
+        </p:txBody>
+      </p:sp>
+      <p:sp>
+        <p:nvSpPr>
+          <p:cNvPr id="13" name="TextBox 12"/>
+          <p:cNvSpPr txBox="1"/>
+          <p:nvPr/>
+        </p:nvSpPr>
+        <p:spPr>
+          <a:xfrm>
+            <a:off x="10042415" y="3926881"/>
+            <a:ext cx="1146917" cy="369332"/>
+          </a:xfrm>
+          <a:prstGeom prst="rect">
+            <a:avLst/>
+          </a:prstGeom>
+          <a:noFill/>
+        </p:spPr>
+        <p:txBody>
+          <a:bodyPr wrap="none" rtlCol="0">
+            <a:spAutoFit/>
+          </a:bodyPr>
+          <a:lstStyle/>
+          <a:p>
+            <a:r>
+              <a:rPr lang="ru-RU" dirty="0" smtClean="0"/>
+              <a:t>Стратегия</a:t>
+            </a:r>
+            <a:endParaRPr lang="ru-RU" dirty="0"/>
+          </a:p>
+        </p:txBody>
+      </p:sp>
     </p:spTree>
     <p:extLst>
       <p:ext uri="{BB962C8B-B14F-4D97-AF65-F5344CB8AC3E}">
@@ -4414,12 +4984,21 @@
             <p:ph type="ctrTitle"/>
           </p:nvPr>
         </p:nvSpPr>
-        <p:spPr/>
-        <p:txBody>
-          <a:bodyPr/>
-          <a:lstStyle/>
-          <a:p>
-            <a:endParaRPr lang="ru-RU"/>
+        <p:spPr>
+          <a:xfrm>
+            <a:off x="-1765609" y="-1119431"/>
+            <a:ext cx="9144000" cy="2387600"/>
+          </a:xfrm>
+        </p:spPr>
+        <p:txBody>
+          <a:bodyPr/>
+          <a:lstStyle/>
+          <a:p>
+            <a:r>
+              <a:rPr lang="ru-RU" dirty="0" smtClean="0"/>
+              <a:t>Никита</a:t>
+            </a:r>
+            <a:endParaRPr lang="ru-RU" dirty="0"/>
           </a:p>
         </p:txBody>
       </p:sp>
@@ -4433,12 +5012,330 @@
             <p:ph type="subTitle" idx="1"/>
           </p:nvPr>
         </p:nvSpPr>
-        <p:spPr/>
-        <p:txBody>
-          <a:bodyPr/>
-          <a:lstStyle/>
-          <a:p>
-            <a:endParaRPr lang="ru-RU"/>
+        <p:spPr>
+          <a:xfrm>
+            <a:off x="-1765609" y="1268169"/>
+            <a:ext cx="9144000" cy="1655762"/>
+          </a:xfrm>
+        </p:spPr>
+        <p:txBody>
+          <a:bodyPr/>
+          <a:lstStyle/>
+          <a:p>
+            <a:r>
+              <a:rPr lang="ru-RU" dirty="0" smtClean="0"/>
+              <a:t>Генератор идей</a:t>
+            </a:r>
+            <a:endParaRPr lang="ru-RU" dirty="0"/>
+          </a:p>
+        </p:txBody>
+      </p:sp>
+      <p:grpSp>
+        <p:nvGrpSpPr>
+          <p:cNvPr id="11" name="Группа 10"/>
+          <p:cNvGrpSpPr/>
+          <p:nvPr/>
+        </p:nvGrpSpPr>
+        <p:grpSpPr>
+          <a:xfrm>
+            <a:off x="363917" y="2096050"/>
+            <a:ext cx="5254211" cy="4227981"/>
+            <a:chOff x="505169" y="2291204"/>
+            <a:chExt cx="5254211" cy="4227981"/>
+          </a:xfrm>
+        </p:grpSpPr>
+        <p:pic>
+          <p:nvPicPr>
+            <p:cNvPr id="6" name="Рисунок 5"/>
+            <p:cNvPicPr>
+              <a:picLocks noChangeAspect="1"/>
+            </p:cNvPicPr>
+            <p:nvPr/>
+          </p:nvPicPr>
+          <p:blipFill>
+            <a:blip r:embed="rId3">
+              <a:extLst>
+                <a:ext uri="{28A0092B-C50C-407E-A947-70E740481C1C}">
+                  <a14:useLocalDpi xmlns:a14="http://schemas.microsoft.com/office/drawing/2010/main" val="0"/>
+                </a:ext>
+              </a:extLst>
+            </a:blip>
+            <a:stretch>
+              <a:fillRect/>
+            </a:stretch>
+          </p:blipFill>
+          <p:spPr>
+            <a:xfrm rot="20931556">
+              <a:off x="671648" y="2457828"/>
+              <a:ext cx="1325563" cy="1325563"/>
+            </a:xfrm>
+            <a:prstGeom prst="rect">
+              <a:avLst/>
+            </a:prstGeom>
+          </p:spPr>
+        </p:pic>
+        <p:pic>
+          <p:nvPicPr>
+            <p:cNvPr id="7" name="Рисунок 6"/>
+            <p:cNvPicPr>
+              <a:picLocks noChangeAspect="1"/>
+            </p:cNvPicPr>
+            <p:nvPr/>
+          </p:nvPicPr>
+          <p:blipFill>
+            <a:blip r:embed="rId4" cstate="print">
+              <a:extLst>
+                <a:ext uri="{28A0092B-C50C-407E-A947-70E740481C1C}">
+                  <a14:useLocalDpi xmlns:a14="http://schemas.microsoft.com/office/drawing/2010/main" val="0"/>
+                </a:ext>
+              </a:extLst>
+            </a:blip>
+            <a:stretch>
+              <a:fillRect/>
+            </a:stretch>
+          </p:blipFill>
+          <p:spPr>
+            <a:xfrm rot="560565">
+              <a:off x="3537784" y="2291204"/>
+              <a:ext cx="1658808" cy="1658808"/>
+            </a:xfrm>
+            <a:prstGeom prst="rect">
+              <a:avLst/>
+            </a:prstGeom>
+          </p:spPr>
+        </p:pic>
+        <p:pic>
+          <p:nvPicPr>
+            <p:cNvPr id="8" name="Рисунок 7"/>
+            <p:cNvPicPr>
+              <a:picLocks noChangeAspect="1"/>
+            </p:cNvPicPr>
+            <p:nvPr/>
+          </p:nvPicPr>
+          <p:blipFill>
+            <a:blip r:embed="rId5" cstate="print">
+              <a:extLst>
+                <a:ext uri="{28A0092B-C50C-407E-A947-70E740481C1C}">
+                  <a14:useLocalDpi xmlns:a14="http://schemas.microsoft.com/office/drawing/2010/main" val="0"/>
+                </a:ext>
+              </a:extLst>
+            </a:blip>
+            <a:stretch>
+              <a:fillRect/>
+            </a:stretch>
+          </p:blipFill>
+          <p:spPr>
+            <a:xfrm rot="20773217">
+              <a:off x="505169" y="4678951"/>
+              <a:ext cx="1658520" cy="1658520"/>
+            </a:xfrm>
+            <a:prstGeom prst="rect">
+              <a:avLst/>
+            </a:prstGeom>
+          </p:spPr>
+        </p:pic>
+        <p:pic>
+          <p:nvPicPr>
+            <p:cNvPr id="10" name="Рисунок 9"/>
+            <p:cNvPicPr>
+              <a:picLocks noChangeAspect="1"/>
+            </p:cNvPicPr>
+            <p:nvPr/>
+          </p:nvPicPr>
+          <p:blipFill>
+            <a:blip r:embed="rId6" cstate="print">
+              <a:extLst>
+                <a:ext uri="{28A0092B-C50C-407E-A947-70E740481C1C}">
+                  <a14:useLocalDpi xmlns:a14="http://schemas.microsoft.com/office/drawing/2010/main" val="0"/>
+                </a:ext>
+              </a:extLst>
+            </a:blip>
+            <a:stretch>
+              <a:fillRect/>
+            </a:stretch>
+          </p:blipFill>
+          <p:spPr>
+            <a:xfrm rot="421692">
+              <a:off x="2414429" y="4657647"/>
+              <a:ext cx="3344951" cy="1861538"/>
+            </a:xfrm>
+            <a:prstGeom prst="rect">
+              <a:avLst/>
+            </a:prstGeom>
+          </p:spPr>
+        </p:pic>
+      </p:grpSp>
+      <p:sp>
+        <p:nvSpPr>
+          <p:cNvPr id="4" name="Прямоугольник 3"/>
+          <p:cNvSpPr/>
+          <p:nvPr/>
+        </p:nvSpPr>
+        <p:spPr>
+          <a:xfrm>
+            <a:off x="5720575" y="156118"/>
+            <a:ext cx="6166624" cy="6701882"/>
+          </a:xfrm>
+          <a:prstGeom prst="rect">
+            <a:avLst/>
+          </a:prstGeom>
+        </p:spPr>
+        <p:style>
+          <a:lnRef idx="2">
+            <a:schemeClr val="accent1">
+              <a:shade val="50000"/>
+            </a:schemeClr>
+          </a:lnRef>
+          <a:fillRef idx="1">
+            <a:schemeClr val="accent1"/>
+          </a:fillRef>
+          <a:effectRef idx="0">
+            <a:schemeClr val="accent1"/>
+          </a:effectRef>
+          <a:fontRef idx="minor">
+            <a:schemeClr val="lt1"/>
+          </a:fontRef>
+        </p:style>
+        <p:txBody>
+          <a:bodyPr rtlCol="0" anchor="ctr"/>
+          <a:lstStyle/>
+          <a:p>
+            <a:pPr algn="ctr"/>
+            <a:r>
+              <a:rPr lang="ru-RU" dirty="0" smtClean="0"/>
+              <a:t>Фото в стиле Оззи </a:t>
+            </a:r>
+            <a:r>
+              <a:rPr lang="ru-RU" dirty="0" err="1" smtClean="0"/>
+              <a:t>осборна</a:t>
+            </a:r>
+            <a:r>
+              <a:rPr lang="ru-RU" dirty="0" smtClean="0"/>
+              <a:t> где он выступает на сцене.</a:t>
+            </a:r>
+          </a:p>
+          <a:p>
+            <a:pPr algn="ctr"/>
+            <a:endParaRPr lang="ru-RU" dirty="0"/>
+          </a:p>
+        </p:txBody>
+      </p:sp>
+      <p:sp>
+        <p:nvSpPr>
+          <p:cNvPr id="12" name="TextBox 11"/>
+          <p:cNvSpPr txBox="1"/>
+          <p:nvPr/>
+        </p:nvSpPr>
+        <p:spPr>
+          <a:xfrm>
+            <a:off x="397892" y="3768934"/>
+            <a:ext cx="1664238" cy="369332"/>
+          </a:xfrm>
+          <a:prstGeom prst="rect">
+            <a:avLst/>
+          </a:prstGeom>
+          <a:noFill/>
+        </p:spPr>
+        <p:txBody>
+          <a:bodyPr wrap="none" rtlCol="0">
+            <a:spAutoFit/>
+          </a:bodyPr>
+          <a:lstStyle/>
+          <a:p>
+            <a:r>
+              <a:rPr lang="ru-RU" dirty="0" smtClean="0"/>
+              <a:t>Коммуникация</a:t>
+            </a:r>
+            <a:endParaRPr lang="ru-RU" dirty="0"/>
+          </a:p>
+        </p:txBody>
+      </p:sp>
+      <p:sp>
+        <p:nvSpPr>
+          <p:cNvPr id="13" name="TextBox 12"/>
+          <p:cNvSpPr txBox="1"/>
+          <p:nvPr/>
+        </p:nvSpPr>
+        <p:spPr>
+          <a:xfrm>
+            <a:off x="3432282" y="3758946"/>
+            <a:ext cx="1297086" cy="369332"/>
+          </a:xfrm>
+          <a:prstGeom prst="rect">
+            <a:avLst/>
+          </a:prstGeom>
+          <a:noFill/>
+        </p:spPr>
+        <p:txBody>
+          <a:bodyPr wrap="none" rtlCol="0">
+            <a:spAutoFit/>
+          </a:bodyPr>
+          <a:lstStyle/>
+          <a:p>
+            <a:r>
+              <a:rPr lang="ru-RU" dirty="0" smtClean="0"/>
+              <a:t>Мотивация</a:t>
+            </a:r>
+            <a:endParaRPr lang="ru-RU" dirty="0"/>
+          </a:p>
+        </p:txBody>
+      </p:sp>
+      <p:sp>
+        <p:nvSpPr>
+          <p:cNvPr id="14" name="TextBox 13"/>
+          <p:cNvSpPr txBox="1"/>
+          <p:nvPr/>
+        </p:nvSpPr>
+        <p:spPr>
+          <a:xfrm>
+            <a:off x="621799" y="6233208"/>
+            <a:ext cx="1216423" cy="369332"/>
+          </a:xfrm>
+          <a:prstGeom prst="rect">
+            <a:avLst/>
+          </a:prstGeom>
+          <a:noFill/>
+        </p:spPr>
+        <p:txBody>
+          <a:bodyPr wrap="none" rtlCol="0">
+            <a:spAutoFit/>
+          </a:bodyPr>
+          <a:lstStyle/>
+          <a:p>
+            <a:r>
+              <a:rPr lang="ru-RU" dirty="0" smtClean="0"/>
+              <a:t>Генерация</a:t>
+            </a:r>
+            <a:endParaRPr lang="ru-RU" dirty="0"/>
+          </a:p>
+        </p:txBody>
+      </p:sp>
+      <p:sp>
+        <p:nvSpPr>
+          <p:cNvPr id="15" name="TextBox 14"/>
+          <p:cNvSpPr txBox="1"/>
+          <p:nvPr/>
+        </p:nvSpPr>
+        <p:spPr>
+          <a:xfrm>
+            <a:off x="3328593" y="6271902"/>
+            <a:ext cx="1234120" cy="369332"/>
+          </a:xfrm>
+          <a:prstGeom prst="rect">
+            <a:avLst/>
+          </a:prstGeom>
+          <a:noFill/>
+        </p:spPr>
+        <p:txBody>
+          <a:bodyPr wrap="none" rtlCol="0">
+            <a:spAutoFit/>
+          </a:bodyPr>
+          <a:lstStyle/>
+          <a:p>
+            <a:r>
+              <a:rPr lang="ru-RU" dirty="0" smtClean="0"/>
+              <a:t>Лидерство</a:t>
+            </a:r>
           </a:p>
         </p:txBody>
       </p:sp>
@@ -4482,31 +5379,295 @@
             <p:ph type="ctrTitle"/>
           </p:nvPr>
         </p:nvSpPr>
-        <p:spPr/>
-        <p:txBody>
-          <a:bodyPr/>
-          <a:lstStyle/>
-          <a:p>
-            <a:endParaRPr lang="ru-RU"/>
-          </a:p>
-        </p:txBody>
-      </p:sp>
-      <p:sp>
-        <p:nvSpPr>
-          <p:cNvPr id="3" name="Подзаголовок 2"/>
-          <p:cNvSpPr>
-            <a:spLocks noGrp="1"/>
-          </p:cNvSpPr>
-          <p:nvPr>
-            <p:ph type="subTitle" idx="1"/>
-          </p:nvPr>
-        </p:nvSpPr>
-        <p:spPr/>
-        <p:txBody>
-          <a:bodyPr/>
-          <a:lstStyle/>
-          <a:p>
-            <a:endParaRPr lang="ru-RU"/>
+        <p:spPr>
+          <a:xfrm>
+            <a:off x="1449658" y="-1193800"/>
+            <a:ext cx="9144000" cy="2387600"/>
+          </a:xfrm>
+        </p:spPr>
+        <p:txBody>
+          <a:bodyPr/>
+          <a:lstStyle/>
+          <a:p>
+            <a:r>
+              <a:rPr lang="ru-RU" dirty="0" smtClean="0"/>
+              <a:t>Супер способности!</a:t>
+            </a:r>
+            <a:endParaRPr lang="ru-RU" dirty="0"/>
+          </a:p>
+        </p:txBody>
+      </p:sp>
+      <p:grpSp>
+        <p:nvGrpSpPr>
+          <p:cNvPr id="8" name="Группа 7"/>
+          <p:cNvGrpSpPr/>
+          <p:nvPr/>
+        </p:nvGrpSpPr>
+        <p:grpSpPr>
+          <a:xfrm>
+            <a:off x="2168911" y="1193800"/>
+            <a:ext cx="7794703" cy="5196466"/>
+            <a:chOff x="1323279" y="1661534"/>
+            <a:chExt cx="7794703" cy="5196466"/>
+          </a:xfrm>
+        </p:grpSpPr>
+        <p:sp>
+          <p:nvSpPr>
+            <p:cNvPr id="5" name="Овал 4"/>
+            <p:cNvSpPr/>
+            <p:nvPr/>
+          </p:nvSpPr>
+          <p:spPr>
+            <a:xfrm>
+              <a:off x="1323279" y="4371275"/>
+              <a:ext cx="1843668" cy="1817649"/>
+            </a:xfrm>
+            <a:prstGeom prst="ellipse">
+              <a:avLst/>
+            </a:prstGeom>
+          </p:spPr>
+          <p:style>
+            <a:lnRef idx="2">
+              <a:schemeClr val="accent1">
+                <a:shade val="50000"/>
+              </a:schemeClr>
+            </a:lnRef>
+            <a:fillRef idx="1">
+              <a:schemeClr val="accent1"/>
+            </a:fillRef>
+            <a:effectRef idx="0">
+              <a:schemeClr val="accent1"/>
+            </a:effectRef>
+            <a:fontRef idx="minor">
+              <a:schemeClr val="lt1"/>
+            </a:fontRef>
+          </p:style>
+          <p:txBody>
+            <a:bodyPr rtlCol="0" anchor="ctr"/>
+            <a:lstStyle/>
+            <a:p>
+              <a:pPr algn="ctr"/>
+              <a:r>
+                <a:rPr lang="ru-RU" sz="6600" dirty="0" smtClean="0"/>
+                <a:t>А</a:t>
+              </a:r>
+              <a:endParaRPr lang="ru-RU" dirty="0"/>
+            </a:p>
+          </p:txBody>
+        </p:sp>
+        <p:sp>
+          <p:nvSpPr>
+            <p:cNvPr id="6" name="Овал 5"/>
+            <p:cNvSpPr/>
+            <p:nvPr/>
+          </p:nvSpPr>
+          <p:spPr>
+            <a:xfrm>
+              <a:off x="7274314" y="1865917"/>
+              <a:ext cx="1843668" cy="1817649"/>
+            </a:xfrm>
+            <a:prstGeom prst="ellipse">
+              <a:avLst/>
+            </a:prstGeom>
+          </p:spPr>
+          <p:style>
+            <a:lnRef idx="2">
+              <a:schemeClr val="accent1">
+                <a:shade val="50000"/>
+              </a:schemeClr>
+            </a:lnRef>
+            <a:fillRef idx="1">
+              <a:schemeClr val="accent1"/>
+            </a:fillRef>
+            <a:effectRef idx="0">
+              <a:schemeClr val="accent1"/>
+            </a:effectRef>
+            <a:fontRef idx="minor">
+              <a:schemeClr val="lt1"/>
+            </a:fontRef>
+          </p:style>
+          <p:txBody>
+            <a:bodyPr rtlCol="0" anchor="ctr"/>
+            <a:lstStyle/>
+            <a:p>
+              <a:pPr algn="ctr"/>
+              <a:r>
+                <a:rPr lang="ru-RU" sz="6600" dirty="0" smtClean="0"/>
+                <a:t>н</a:t>
+              </a:r>
+              <a:endParaRPr lang="ru-RU" sz="6600" dirty="0"/>
+            </a:p>
+          </p:txBody>
+        </p:sp>
+        <p:sp>
+          <p:nvSpPr>
+            <p:cNvPr id="7" name="Овал 6"/>
+            <p:cNvSpPr/>
+            <p:nvPr/>
+          </p:nvSpPr>
+          <p:spPr>
+            <a:xfrm>
+              <a:off x="2787805" y="1661534"/>
+              <a:ext cx="5062653" cy="5196466"/>
+            </a:xfrm>
+            <a:prstGeom prst="ellipse">
+              <a:avLst/>
+            </a:prstGeom>
+          </p:spPr>
+          <p:style>
+            <a:lnRef idx="2">
+              <a:schemeClr val="accent1">
+                <a:shade val="50000"/>
+              </a:schemeClr>
+            </a:lnRef>
+            <a:fillRef idx="1">
+              <a:schemeClr val="accent1"/>
+            </a:fillRef>
+            <a:effectRef idx="0">
+              <a:schemeClr val="accent1"/>
+            </a:effectRef>
+            <a:fontRef idx="minor">
+              <a:schemeClr val="lt1"/>
+            </a:fontRef>
+          </p:style>
+          <p:txBody>
+            <a:bodyPr rtlCol="0" anchor="ctr"/>
+            <a:lstStyle/>
+            <a:p>
+              <a:pPr algn="ctr"/>
+              <a:r>
+                <a:rPr lang="ru-RU" sz="4000" dirty="0" smtClean="0"/>
+                <a:t>Трансформация творчества в узнаваемые и прибыльные бренды!</a:t>
+              </a:r>
+              <a:endParaRPr lang="ru-RU" sz="4000" dirty="0"/>
+            </a:p>
+          </p:txBody>
+        </p:sp>
+      </p:grpSp>
+      <p:sp>
+        <p:nvSpPr>
+          <p:cNvPr id="9" name="TextBox 8"/>
+          <p:cNvSpPr txBox="1"/>
+          <p:nvPr/>
+        </p:nvSpPr>
+        <p:spPr>
+          <a:xfrm>
+            <a:off x="411080" y="1469283"/>
+            <a:ext cx="3111201" cy="2246769"/>
+          </a:xfrm>
+          <a:prstGeom prst="rect">
+            <a:avLst/>
+          </a:prstGeom>
+          <a:noFill/>
+        </p:spPr>
+        <p:txBody>
+          <a:bodyPr wrap="square" rtlCol="0">
+            <a:spAutoFit/>
+          </a:bodyPr>
+          <a:lstStyle/>
+          <a:p>
+            <a:r>
+              <a:rPr lang="ru-RU" sz="2800" dirty="0" smtClean="0"/>
+              <a:t>1.Анализ</a:t>
+            </a:r>
+          </a:p>
+          <a:p>
+            <a:r>
+              <a:rPr lang="ru-RU" sz="2800" dirty="0"/>
+              <a:t>2. </a:t>
+            </a:r>
+            <a:r>
+              <a:rPr lang="ru-RU" sz="2800" dirty="0" smtClean="0"/>
+              <a:t>Планирование</a:t>
+            </a:r>
+          </a:p>
+          <a:p>
+            <a:r>
+              <a:rPr lang="ru-RU" sz="2800" dirty="0"/>
+              <a:t>3. </a:t>
+            </a:r>
+            <a:r>
+              <a:rPr lang="ru-RU" sz="2800" dirty="0" smtClean="0"/>
+              <a:t>Структура </a:t>
+            </a:r>
+          </a:p>
+          <a:p>
+            <a:r>
+              <a:rPr lang="ru-RU" sz="2800" dirty="0"/>
+              <a:t>4. </a:t>
+            </a:r>
+            <a:r>
+              <a:rPr lang="ru-RU" sz="2800" dirty="0" smtClean="0"/>
+              <a:t>Безупречное </a:t>
+            </a:r>
+            <a:r>
+              <a:rPr lang="ru-RU" sz="2800" dirty="0"/>
+              <a:t>исполнение</a:t>
+            </a:r>
+          </a:p>
+        </p:txBody>
+      </p:sp>
+      <p:sp>
+        <p:nvSpPr>
+          <p:cNvPr id="10" name="TextBox 9"/>
+          <p:cNvSpPr txBox="1"/>
+          <p:nvPr/>
+        </p:nvSpPr>
+        <p:spPr>
+          <a:xfrm>
+            <a:off x="8549437" y="4409632"/>
+            <a:ext cx="3222357" cy="1815882"/>
+          </a:xfrm>
+          <a:prstGeom prst="rect">
+            <a:avLst/>
+          </a:prstGeom>
+          <a:noFill/>
+        </p:spPr>
+        <p:txBody>
+          <a:bodyPr wrap="none" rtlCol="0">
+            <a:spAutoFit/>
+          </a:bodyPr>
+          <a:lstStyle/>
+          <a:p>
+            <a:pPr algn="r"/>
+            <a:r>
+              <a:rPr lang="ru-RU" sz="2800" dirty="0" smtClean="0"/>
+              <a:t>1. Коммуникация</a:t>
+            </a:r>
+          </a:p>
+          <a:p>
+            <a:pPr algn="r"/>
+            <a:r>
+              <a:rPr lang="ru-RU" sz="2800" dirty="0"/>
+              <a:t>2. </a:t>
+            </a:r>
+            <a:r>
+              <a:rPr lang="ru-RU" sz="2800" dirty="0" smtClean="0"/>
+              <a:t>Мотивации </a:t>
+            </a:r>
+          </a:p>
+          <a:p>
+            <a:pPr algn="r"/>
+            <a:r>
+              <a:rPr lang="ru-RU" sz="2800" dirty="0"/>
+              <a:t>3. </a:t>
+            </a:r>
+            <a:r>
+              <a:rPr lang="ru-RU" sz="2800" dirty="0" smtClean="0"/>
+              <a:t>Зарядка Веры </a:t>
+            </a:r>
+          </a:p>
+          <a:p>
+            <a:pPr algn="r"/>
+            <a:r>
+              <a:rPr lang="ru-RU" sz="2800" dirty="0"/>
+              <a:t>4. </a:t>
+            </a:r>
+            <a:r>
+              <a:rPr lang="ru-RU" sz="2800" dirty="0" smtClean="0"/>
+              <a:t>Нестандартность </a:t>
+            </a:r>
+            <a:endParaRPr lang="ru-RU" sz="2800" dirty="0"/>
           </a:p>
         </p:txBody>
       </p:sp>
@@ -5054,4 +6215,265 @@
     </a:ext>
   </a:extLst>
 </a:theme>
+</file>
+
+<file path=ppt/theme/theme2.xml><?xml version="1.0" encoding="utf-8"?>
+<a:theme xmlns:a="http://schemas.openxmlformats.org/drawingml/2006/main" name="Тема Office">
+  <a:themeElements>
+    <a:clrScheme name="Стандартная">
+      <a:dk1>
+        <a:sysClr val="windowText" lastClr="000000"/>
+      </a:dk1>
+      <a:lt1>
+        <a:sysClr val="window" lastClr="FFFFFF"/>
+      </a:lt1>
+      <a:dk2>
+        <a:srgbClr val="44546A"/>
+      </a:dk2>
+      <a:lt2>
+        <a:srgbClr val="E7E6E6"/>
+      </a:lt2>
+      <a:accent1>
+        <a:srgbClr val="5B9BD5"/>
+      </a:accent1>
+      <a:accent2>
+        <a:srgbClr val="ED7D31"/>
+      </a:accent2>
+      <a:accent3>
+        <a:srgbClr val="A5A5A5"/>
+      </a:accent3>
+      <a:accent4>
+        <a:srgbClr val="FFC000"/>
+      </a:accent4>
+      <a:accent5>
+        <a:srgbClr val="4472C4"/>
+      </a:accent5>
+      <a:accent6>
+        <a:srgbClr val="70AD47"/>
+      </a:accent6>
+      <a:hlink>
+        <a:srgbClr val="0563C1"/>
+      </a:hlink>
+      <a:folHlink>
+        <a:srgbClr val="954F72"/>
+      </a:folHlink>
+    </a:clrScheme>
+    <a:fontScheme name="Стандартная">
+      <a:majorFont>
+        <a:latin typeface="Calibri Light" panose="020F0302020204030204"/>
+        <a:ea typeface=""/>
+        <a:cs typeface=""/>
+        <a:font script="Jpan" typeface="游ゴシック Light"/>
+        <a:font script="Hang" typeface="맑은 고딕"/>
+        <a:font script="Hans" typeface="等线 Light"/>
+        <a:font script="Hant" typeface="新細明體"/>
+        <a:font script="Arab" typeface="Times New Roman"/>
+        <a:font script="Hebr" typeface="Times New Roman"/>
+        <a:font script="Thai" typeface="Angsana New"/>
+        <a:font script="Ethi" typeface="Nyala"/>
+        <a:font script="Beng" typeface="Vrinda"/>
+        <a:font script="Gujr" typeface="Shruti"/>
+        <a:font script="Khmr" typeface="MoolBoran"/>
+        <a:font script="Knda" typeface="Tunga"/>
+        <a:font script="Guru" typeface="Raavi"/>
+        <a:font script="Cans" typeface="Euphemia"/>
+        <a:font script="Cher" typeface="Plantagenet Cherokee"/>
+        <a:font script="Yiii" typeface="Microsoft Yi Baiti"/>
+        <a:font script="Tibt" typeface="Microsoft Himalaya"/>
+        <a:font script="Thaa" typeface="MV Boli"/>
+        <a:font script="Deva" typeface="Mangal"/>
+        <a:font script="Telu" typeface="Gautami"/>
+        <a:font script="Taml" typeface="Latha"/>
+        <a:font script="Syrc" typeface="Estrangelo Edessa"/>
+        <a:font script="Orya" typeface="Kalinga"/>
+        <a:font script="Mlym" typeface="Kartika"/>
+        <a:font script="Laoo" typeface="DokChampa"/>
+        <a:font script="Sinh" typeface="Iskoola Pota"/>
+        <a:font script="Mong" typeface="Mongolian Baiti"/>
+        <a:font script="Viet" typeface="Times New Roman"/>
+        <a:font script="Uigh" typeface="Microsoft Uighur"/>
+        <a:font script="Geor" typeface="Sylfaen"/>
+      </a:majorFont>
+      <a:minorFont>
+        <a:latin typeface="Calibri" panose="020F0502020204030204"/>
+        <a:ea typeface=""/>
+        <a:cs typeface=""/>
+        <a:font script="Jpan" typeface="游ゴシック"/>
+        <a:font script="Hang" typeface="맑은 고딕"/>
+        <a:font script="Hans" typeface="等线"/>
+        <a:font script="Hant" typeface="新細明體"/>
+        <a:font script="Arab" typeface="Arial"/>
+        <a:font script="Hebr" typeface="Arial"/>
+        <a:font script="Thai" typeface="Cordia New"/>
+        <a:font script="Ethi" typeface="Nyala"/>
+        <a:font script="Beng" typeface="Vrinda"/>
+        <a:font script="Gujr" typeface="Shruti"/>
+        <a:font script="Khmr" typeface="DaunPenh"/>
+        <a:font script="Knda" typeface="Tunga"/>
+        <a:font script="Guru" typeface="Raavi"/>
+        <a:font script="Cans" typeface="Euphemia"/>
+        <a:font script="Cher" typeface="Plantagenet Cherokee"/>
+        <a:font script="Yiii" typeface="Microsoft Yi Baiti"/>
+        <a:font script="Tibt" typeface="Microsoft Himalaya"/>
+        <a:font script="Thaa" typeface="MV Boli"/>
+        <a:font script="Deva" typeface="Mangal"/>
+        <a:font script="Telu" typeface="Gautami"/>
+        <a:font script="Taml" typeface="Latha"/>
+        <a:font script="Syrc" typeface="Estrangelo Edessa"/>
+        <a:font script="Orya" typeface="Kalinga"/>
+        <a:font script="Mlym" typeface="Kartika"/>
+        <a:font script="Laoo" typeface="DokChampa"/>
+        <a:font script="Sinh" typeface="Iskoola Pota"/>
+        <a:font script="Mong" typeface="Mongolian Baiti"/>
+        <a:font script="Viet" typeface="Arial"/>
+        <a:font script="Uigh" typeface="Microsoft Uighur"/>
+        <a:font script="Geor" typeface="Sylfaen"/>
+      </a:minorFont>
+    </a:fontScheme>
+    <a:fmtScheme name="Стандартная">
+      <a:fillStyleLst>
+        <a:solidFill>
+          <a:schemeClr val="phClr"/>
+        </a:solidFill>
+        <a:gradFill rotWithShape="1">
+          <a:gsLst>
+            <a:gs pos="0">
+              <a:schemeClr val="phClr">
+                <a:lumMod val="110000"/>
+                <a:satMod val="105000"/>
+                <a:tint val="67000"/>
+              </a:schemeClr>
+            </a:gs>
+            <a:gs pos="50000">
+              <a:schemeClr val="phClr">
+                <a:lumMod val="105000"/>
+                <a:satMod val="103000"/>
+                <a:tint val="73000"/>
+              </a:schemeClr>
+            </a:gs>
+            <a:gs pos="100000">
+              <a:schemeClr val="phClr">
+                <a:lumMod val="105000"/>
+                <a:satMod val="109000"/>
+                <a:tint val="81000"/>
+              </a:schemeClr>
+            </a:gs>
+          </a:gsLst>
+          <a:lin ang="5400000" scaled="0"/>
+        </a:gradFill>
+        <a:gradFill rotWithShape="1">
+          <a:gsLst>
+            <a:gs pos="0">
+              <a:schemeClr val="phClr">
+                <a:satMod val="103000"/>
+                <a:lumMod val="102000"/>
+                <a:tint val="94000"/>
+              </a:schemeClr>
+            </a:gs>
+            <a:gs pos="50000">
+              <a:schemeClr val="phClr">
+                <a:satMod val="110000"/>
+                <a:lumMod val="100000"/>
+                <a:shade val="100000"/>
+              </a:schemeClr>
+            </a:gs>
+            <a:gs pos="100000">
+              <a:schemeClr val="phClr">
+                <a:lumMod val="99000"/>
+                <a:satMod val="120000"/>
+                <a:shade val="78000"/>
+              </a:schemeClr>
+            </a:gs>
+          </a:gsLst>
+          <a:lin ang="5400000" scaled="0"/>
+        </a:gradFill>
+      </a:fillStyleLst>
+      <a:lnStyleLst>
+        <a:ln w="6350" cap="flat" cmpd="sng" algn="ctr">
+          <a:solidFill>
+            <a:schemeClr val="phClr"/>
+          </a:solidFill>
+          <a:prstDash val="solid"/>
+          <a:miter lim="800000"/>
+        </a:ln>
+        <a:ln w="12700" cap="flat" cmpd="sng" algn="ctr">
+          <a:solidFill>
+            <a:schemeClr val="phClr"/>
+          </a:solidFill>
+          <a:prstDash val="solid"/>
+          <a:miter lim="800000"/>
+        </a:ln>
+        <a:ln w="19050" cap="flat" cmpd="sng" algn="ctr">
+          <a:solidFill>
+            <a:schemeClr val="phClr"/>
+          </a:solidFill>
+          <a:prstDash val="solid"/>
+          <a:miter lim="800000"/>
+        </a:ln>
+      </a:lnStyleLst>
+      <a:effectStyleLst>
+        <a:effectStyle>
+          <a:effectLst/>
+        </a:effectStyle>
+        <a:effectStyle>
+          <a:effectLst/>
+        </a:effectStyle>
+        <a:effectStyle>
+          <a:effectLst>
+            <a:outerShdw blurRad="57150" dist="19050" dir="5400000" algn="ctr" rotWithShape="0">
+              <a:srgbClr val="000000">
+                <a:alpha val="63000"/>
+              </a:srgbClr>
+            </a:outerShdw>
+          </a:effectLst>
+        </a:effectStyle>
+      </a:effectStyleLst>
+      <a:bgFillStyleLst>
+        <a:solidFill>
+          <a:schemeClr val="phClr"/>
+        </a:solidFill>
+        <a:solidFill>
+          <a:schemeClr val="phClr">
+            <a:tint val="95000"/>
+            <a:satMod val="170000"/>
+          </a:schemeClr>
+        </a:solidFill>
+        <a:gradFill rotWithShape="1">
+          <a:gsLst>
+            <a:gs pos="0">
+              <a:schemeClr val="phClr">
+                <a:tint val="93000"/>
+                <a:satMod val="150000"/>
+                <a:shade val="98000"/>
+                <a:lumMod val="102000"/>
+              </a:schemeClr>
+            </a:gs>
+            <a:gs pos="50000">
+              <a:schemeClr val="phClr">
+                <a:tint val="98000"/>
+                <a:satMod val="130000"/>
+                <a:shade val="90000"/>
+                <a:lumMod val="103000"/>
+              </a:schemeClr>
+            </a:gs>
+            <a:gs pos="100000">
+              <a:schemeClr val="phClr">
+                <a:shade val="63000"/>
+                <a:satMod val="120000"/>
+              </a:schemeClr>
+            </a:gs>
+          </a:gsLst>
+          <a:lin ang="5400000" scaled="0"/>
+        </a:gradFill>
+      </a:bgFillStyleLst>
+    </a:fmtScheme>
+  </a:themeElements>
+  <a:objectDefaults/>
+  <a:extraClrSchemeLst/>
+  <a:extLst>
+    <a:ext uri="{05A4C25C-085E-4340-85A3-A5531E510DB2}">
+      <thm15:themeFamily xmlns:thm15="http://schemas.microsoft.com/office/thememl/2012/main" name="Office Theme" id="{62F939B6-93AF-4DB8-9C6B-D6C7DFDC589F}" vid="{4A3C46E8-61CC-4603-A589-7422A47A8E4A}"/>
+    </a:ext>
+  </a:extLst>
+</a:theme>
 </file>